--- a/slides/2D 게임프로그래밍 2차 발표자료.pptx
+++ b/slides/2D 게임프로그래밍 2차 발표자료.pptx
@@ -262,7 +262,7 @@
           <a:p>
             <a:fld id="{484E8055-242F-47E9-AB05-91FD8B20A768}" type="datetimeFigureOut">
               <a:rPr lang="ko-KR" altLang="en-US" smtClean="0"/>
-              <a:t>2025-11-11</a:t>
+              <a:t>2025-11-12</a:t>
             </a:fld>
             <a:endParaRPr lang="ko-KR" altLang="en-US"/>
           </a:p>
@@ -460,7 +460,7 @@
           <a:p>
             <a:fld id="{484E8055-242F-47E9-AB05-91FD8B20A768}" type="datetimeFigureOut">
               <a:rPr lang="ko-KR" altLang="en-US" smtClean="0"/>
-              <a:t>2025-11-11</a:t>
+              <a:t>2025-11-12</a:t>
             </a:fld>
             <a:endParaRPr lang="ko-KR" altLang="en-US"/>
           </a:p>
@@ -668,7 +668,7 @@
           <a:p>
             <a:fld id="{484E8055-242F-47E9-AB05-91FD8B20A768}" type="datetimeFigureOut">
               <a:rPr lang="ko-KR" altLang="en-US" smtClean="0"/>
-              <a:t>2025-11-11</a:t>
+              <a:t>2025-11-12</a:t>
             </a:fld>
             <a:endParaRPr lang="ko-KR" altLang="en-US"/>
           </a:p>
@@ -866,7 +866,7 @@
           <a:p>
             <a:fld id="{484E8055-242F-47E9-AB05-91FD8B20A768}" type="datetimeFigureOut">
               <a:rPr lang="ko-KR" altLang="en-US" smtClean="0"/>
-              <a:t>2025-11-11</a:t>
+              <a:t>2025-11-12</a:t>
             </a:fld>
             <a:endParaRPr lang="ko-KR" altLang="en-US"/>
           </a:p>
@@ -1141,7 +1141,7 @@
           <a:p>
             <a:fld id="{484E8055-242F-47E9-AB05-91FD8B20A768}" type="datetimeFigureOut">
               <a:rPr lang="ko-KR" altLang="en-US" smtClean="0"/>
-              <a:t>2025-11-11</a:t>
+              <a:t>2025-11-12</a:t>
             </a:fld>
             <a:endParaRPr lang="ko-KR" altLang="en-US"/>
           </a:p>
@@ -1406,7 +1406,7 @@
           <a:p>
             <a:fld id="{484E8055-242F-47E9-AB05-91FD8B20A768}" type="datetimeFigureOut">
               <a:rPr lang="ko-KR" altLang="en-US" smtClean="0"/>
-              <a:t>2025-11-11</a:t>
+              <a:t>2025-11-12</a:t>
             </a:fld>
             <a:endParaRPr lang="ko-KR" altLang="en-US"/>
           </a:p>
@@ -1818,7 +1818,7 @@
           <a:p>
             <a:fld id="{484E8055-242F-47E9-AB05-91FD8B20A768}" type="datetimeFigureOut">
               <a:rPr lang="ko-KR" altLang="en-US" smtClean="0"/>
-              <a:t>2025-11-11</a:t>
+              <a:t>2025-11-12</a:t>
             </a:fld>
             <a:endParaRPr lang="ko-KR" altLang="en-US"/>
           </a:p>
@@ -1959,7 +1959,7 @@
           <a:p>
             <a:fld id="{484E8055-242F-47E9-AB05-91FD8B20A768}" type="datetimeFigureOut">
               <a:rPr lang="ko-KR" altLang="en-US" smtClean="0"/>
-              <a:t>2025-11-11</a:t>
+              <a:t>2025-11-12</a:t>
             </a:fld>
             <a:endParaRPr lang="ko-KR" altLang="en-US"/>
           </a:p>
@@ -2072,7 +2072,7 @@
           <a:p>
             <a:fld id="{484E8055-242F-47E9-AB05-91FD8B20A768}" type="datetimeFigureOut">
               <a:rPr lang="ko-KR" altLang="en-US" smtClean="0"/>
-              <a:t>2025-11-11</a:t>
+              <a:t>2025-11-12</a:t>
             </a:fld>
             <a:endParaRPr lang="ko-KR" altLang="en-US"/>
           </a:p>
@@ -2383,7 +2383,7 @@
           <a:p>
             <a:fld id="{484E8055-242F-47E9-AB05-91FD8B20A768}" type="datetimeFigureOut">
               <a:rPr lang="ko-KR" altLang="en-US" smtClean="0"/>
-              <a:t>2025-11-11</a:t>
+              <a:t>2025-11-12</a:t>
             </a:fld>
             <a:endParaRPr lang="ko-KR" altLang="en-US"/>
           </a:p>
@@ -2671,7 +2671,7 @@
           <a:p>
             <a:fld id="{484E8055-242F-47E9-AB05-91FD8B20A768}" type="datetimeFigureOut">
               <a:rPr lang="ko-KR" altLang="en-US" smtClean="0"/>
-              <a:t>2025-11-11</a:t>
+              <a:t>2025-11-12</a:t>
             </a:fld>
             <a:endParaRPr lang="ko-KR" altLang="en-US"/>
           </a:p>
@@ -2912,7 +2912,7 @@
           <a:p>
             <a:fld id="{484E8055-242F-47E9-AB05-91FD8B20A768}" type="datetimeFigureOut">
               <a:rPr lang="ko-KR" altLang="en-US" smtClean="0"/>
-              <a:t>2025-11-11</a:t>
+              <a:t>2025-11-12</a:t>
             </a:fld>
             <a:endParaRPr lang="ko-KR" altLang="en-US"/>
           </a:p>
@@ -3446,8 +3446,12 @@
           <a:lstStyle/>
           <a:p>
             <a:r>
+              <a:rPr lang="ko-KR" altLang="en-US" b="1"/>
+              <a:t>프로젝트 </a:t>
+            </a:r>
+            <a:r>
               <a:rPr lang="ko-KR" altLang="en-US" b="1" dirty="0"/>
-              <a:t>개발 변경 내용</a:t>
+              <a:t>변경 내용</a:t>
             </a:r>
           </a:p>
         </p:txBody>

--- a/slides/2D 게임프로그래밍 2차 발표자료.pptx
+++ b/slides/2D 게임프로그래밍 2차 발표자료.pptx
@@ -3394,6 +3394,45 @@
           </a:p>
         </p:txBody>
       </p:sp>
+      <p:pic>
+        <p:nvPicPr>
+          <p:cNvPr id="6" name="오디오 5">
+            <a:hlinkClick r:id="" action="ppaction://media"/>
+            <a:extLst>
+              <a:ext uri="{FF2B5EF4-FFF2-40B4-BE49-F238E27FC236}">
+                <a16:creationId xmlns:a16="http://schemas.microsoft.com/office/drawing/2014/main" id="{7766DB40-EB01-0F11-9479-E87CB3199E21}"/>
+              </a:ext>
+            </a:extLst>
+          </p:cNvPr>
+          <p:cNvPicPr>
+            <a:picLocks noChangeAspect="1"/>
+          </p:cNvPicPr>
+          <p:nvPr>
+            <a:audioFile r:link="rId2"/>
+            <p:extLst>
+              <p:ext uri="{DAA4B4D4-6D71-4841-9C94-3DE7FCFB9230}">
+                <p14:media xmlns:p14="http://schemas.microsoft.com/office/powerpoint/2010/main" r:embed="rId1"/>
+              </p:ext>
+            </p:extLst>
+          </p:nvPr>
+        </p:nvPicPr>
+        <p:blipFill>
+          <a:blip r:embed="rId4"/>
+          <a:srcRect l="-287500" t="-287500" r="-287500" b="-287500"/>
+          <a:stretch>
+            <a:fillRect/>
+          </a:stretch>
+        </p:blipFill>
+        <p:spPr>
+          <a:xfrm>
+            <a:off x="10052304" y="4718304"/>
+            <a:ext cx="2057400" cy="2057400"/>
+          </a:xfrm>
+          <a:prstGeom prst="ellipse">
+            <a:avLst/>
+          </a:prstGeom>
+        </p:spPr>
+      </p:pic>
     </p:spTree>
     <p:extLst>
       <p:ext uri="{BB962C8B-B14F-4D97-AF65-F5344CB8AC3E}">
@@ -3404,6 +3443,101 @@
   <p:clrMapOvr>
     <a:masterClrMapping/>
   </p:clrMapOvr>
+  <mc:AlternateContent xmlns:mc="http://schemas.openxmlformats.org/markup-compatibility/2006">
+    <mc:Choice xmlns:p14="http://schemas.microsoft.com/office/powerpoint/2010/main" Requires="p14">
+      <p:transition spd="slow" p14:dur="2000" advTm="4608"/>
+    </mc:Choice>
+    <mc:Fallback>
+      <p:transition spd="slow" advTm="4608"/>
+    </mc:Fallback>
+  </mc:AlternateContent>
+  <p:timing>
+    <p:tnLst>
+      <p:par>
+        <p:cTn id="1" dur="indefinite" restart="never" nodeType="tmRoot">
+          <p:childTnLst>
+            <p:seq concurrent="1" nextAc="seek">
+              <p:cTn id="2" dur="indefinite" nodeType="mainSeq">
+                <p:childTnLst>
+                  <p:par>
+                    <p:cTn id="3" fill="hold">
+                      <p:stCondLst>
+                        <p:cond delay="indefinite"/>
+                        <p:cond evt="onBegin" delay="0">
+                          <p:tn val="2"/>
+                        </p:cond>
+                      </p:stCondLst>
+                      <p:childTnLst>
+                        <p:par>
+                          <p:cTn id="4" fill="hold">
+                            <p:stCondLst>
+                              <p:cond delay="0"/>
+                            </p:stCondLst>
+                            <p:childTnLst>
+                              <p:par>
+                                <p:cTn id="5" presetID="1" presetClass="mediacall" presetSubtype="0" fill="hold" nodeType="afterEffect">
+                                  <p:stCondLst>
+                                    <p:cond delay="0"/>
+                                  </p:stCondLst>
+                                  <p:childTnLst>
+                                    <p:cmd type="call" cmd="playFrom(0.0)">
+                                      <p:cBhvr>
+                                        <p:cTn id="6" dur="1" fill="hold"/>
+                                        <p:tgtEl>
+                                          <p:spTgt spid="6"/>
+                                        </p:tgtEl>
+                                      </p:cBhvr>
+                                    </p:cmd>
+                                  </p:childTnLst>
+                                </p:cTn>
+                              </p:par>
+                            </p:childTnLst>
+                          </p:cTn>
+                        </p:par>
+                      </p:childTnLst>
+                    </p:cTn>
+                  </p:par>
+                </p:childTnLst>
+              </p:cTn>
+              <p:prevCondLst>
+                <p:cond evt="onPrev" delay="0">
+                  <p:tgtEl>
+                    <p:sldTgt/>
+                  </p:tgtEl>
+                </p:cond>
+              </p:prevCondLst>
+              <p:nextCondLst>
+                <p:cond evt="onNext" delay="0">
+                  <p:tgtEl>
+                    <p:sldTgt/>
+                  </p:tgtEl>
+                </p:cond>
+              </p:nextCondLst>
+            </p:seq>
+            <p:audio isNarration="1">
+              <p:cMediaNode vol="80000" showWhenStopped="0">
+                <p:cTn id="7" fill="hold" display="0">
+                  <p:stCondLst>
+                    <p:cond delay="indefinite"/>
+                  </p:stCondLst>
+                  <p:endCondLst>
+                    <p:cond evt="onStopAudio" delay="0">
+                      <p:tgtEl>
+                        <p:sldTgt/>
+                      </p:tgtEl>
+                    </p:cond>
+                  </p:endCondLst>
+                </p:cTn>
+                <p:tgtEl>
+                  <p:spTgt spid="6"/>
+                </p:tgtEl>
+              </p:cMediaNode>
+            </p:audio>
+          </p:childTnLst>
+        </p:cTn>
+      </p:par>
+    </p:tnLst>
+  </p:timing>
 </p:sld>
 </file>
 
@@ -3707,6 +3841,45 @@
           </a:graphicData>
         </a:graphic>
       </p:graphicFrame>
+      <p:pic>
+        <p:nvPicPr>
+          <p:cNvPr id="11" name="오디오 10">
+            <a:hlinkClick r:id="" action="ppaction://media"/>
+            <a:extLst>
+              <a:ext uri="{FF2B5EF4-FFF2-40B4-BE49-F238E27FC236}">
+                <a16:creationId xmlns:a16="http://schemas.microsoft.com/office/drawing/2014/main" id="{700FAB0A-4432-9739-FE11-ABC0A7DE0DD2}"/>
+              </a:ext>
+            </a:extLst>
+          </p:cNvPr>
+          <p:cNvPicPr>
+            <a:picLocks noChangeAspect="1"/>
+          </p:cNvPicPr>
+          <p:nvPr>
+            <a:audioFile r:link="rId2"/>
+            <p:extLst>
+              <p:ext uri="{DAA4B4D4-6D71-4841-9C94-3DE7FCFB9230}">
+                <p14:media xmlns:p14="http://schemas.microsoft.com/office/powerpoint/2010/main" r:embed="rId1"/>
+              </p:ext>
+            </p:extLst>
+          </p:nvPr>
+        </p:nvPicPr>
+        <p:blipFill>
+          <a:blip r:embed="rId4"/>
+          <a:srcRect l="-287500" t="-287500" r="-287500" b="-287500"/>
+          <a:stretch>
+            <a:fillRect/>
+          </a:stretch>
+        </p:blipFill>
+        <p:spPr>
+          <a:xfrm>
+            <a:off x="10052304" y="4718304"/>
+            <a:ext cx="2057400" cy="2057400"/>
+          </a:xfrm>
+          <a:prstGeom prst="ellipse">
+            <a:avLst/>
+          </a:prstGeom>
+        </p:spPr>
+      </p:pic>
     </p:spTree>
     <p:extLst>
       <p:ext uri="{BB962C8B-B14F-4D97-AF65-F5344CB8AC3E}">
@@ -3717,6 +3890,101 @@
   <p:clrMapOvr>
     <a:masterClrMapping/>
   </p:clrMapOvr>
+  <mc:AlternateContent xmlns:mc="http://schemas.openxmlformats.org/markup-compatibility/2006">
+    <mc:Choice xmlns:p14="http://schemas.microsoft.com/office/powerpoint/2010/main" Requires="p14">
+      <p:transition spd="slow" p14:dur="2000" advTm="23919"/>
+    </mc:Choice>
+    <mc:Fallback>
+      <p:transition spd="slow" advTm="23919"/>
+    </mc:Fallback>
+  </mc:AlternateContent>
+  <p:timing>
+    <p:tnLst>
+      <p:par>
+        <p:cTn id="1" dur="indefinite" restart="never" nodeType="tmRoot">
+          <p:childTnLst>
+            <p:seq concurrent="1" nextAc="seek">
+              <p:cTn id="2" dur="indefinite" nodeType="mainSeq">
+                <p:childTnLst>
+                  <p:par>
+                    <p:cTn id="3" fill="hold">
+                      <p:stCondLst>
+                        <p:cond delay="indefinite"/>
+                        <p:cond evt="onBegin" delay="0">
+                          <p:tn val="2"/>
+                        </p:cond>
+                      </p:stCondLst>
+                      <p:childTnLst>
+                        <p:par>
+                          <p:cTn id="4" fill="hold">
+                            <p:stCondLst>
+                              <p:cond delay="0"/>
+                            </p:stCondLst>
+                            <p:childTnLst>
+                              <p:par>
+                                <p:cTn id="5" presetID="1" presetClass="mediacall" presetSubtype="0" fill="hold" nodeType="afterEffect">
+                                  <p:stCondLst>
+                                    <p:cond delay="0"/>
+                                  </p:stCondLst>
+                                  <p:childTnLst>
+                                    <p:cmd type="call" cmd="playFrom(0.0)">
+                                      <p:cBhvr>
+                                        <p:cTn id="6" dur="1" fill="hold"/>
+                                        <p:tgtEl>
+                                          <p:spTgt spid="11"/>
+                                        </p:tgtEl>
+                                      </p:cBhvr>
+                                    </p:cmd>
+                                  </p:childTnLst>
+                                </p:cTn>
+                              </p:par>
+                            </p:childTnLst>
+                          </p:cTn>
+                        </p:par>
+                      </p:childTnLst>
+                    </p:cTn>
+                  </p:par>
+                </p:childTnLst>
+              </p:cTn>
+              <p:prevCondLst>
+                <p:cond evt="onPrev" delay="0">
+                  <p:tgtEl>
+                    <p:sldTgt/>
+                  </p:tgtEl>
+                </p:cond>
+              </p:prevCondLst>
+              <p:nextCondLst>
+                <p:cond evt="onNext" delay="0">
+                  <p:tgtEl>
+                    <p:sldTgt/>
+                  </p:tgtEl>
+                </p:cond>
+              </p:nextCondLst>
+            </p:seq>
+            <p:audio isNarration="1">
+              <p:cMediaNode vol="80000" showWhenStopped="0">
+                <p:cTn id="7" fill="hold" display="0">
+                  <p:stCondLst>
+                    <p:cond delay="indefinite"/>
+                  </p:stCondLst>
+                  <p:endCondLst>
+                    <p:cond evt="onStopAudio" delay="0">
+                      <p:tgtEl>
+                        <p:sldTgt/>
+                      </p:tgtEl>
+                    </p:cond>
+                  </p:endCondLst>
+                </p:cTn>
+                <p:tgtEl>
+                  <p:spTgt spid="11"/>
+                </p:tgtEl>
+              </p:cMediaNode>
+            </p:audio>
+          </p:childTnLst>
+        </p:cTn>
+      </p:par>
+    </p:tnLst>
+  </p:timing>
 </p:sld>
 </file>
 
@@ -3781,7 +4049,7 @@
             <p:ph idx="1"/>
             <p:extLst>
               <p:ext uri="{D42A27DB-BD31-4B8C-83A1-F6EECF244321}">
-                <p14:modId xmlns:p14="http://schemas.microsoft.com/office/powerpoint/2010/main" val="3374217990"/>
+                <p14:modId xmlns:p14="http://schemas.microsoft.com/office/powerpoint/2010/main" val="944366912"/>
               </p:ext>
             </p:extLst>
           </p:nvPr>
@@ -4370,7 +4638,7 @@
                       <a:pPr algn="ctr" latinLnBrk="1"/>
                       <a:r>
                         <a:rPr lang="en-US" altLang="ko-KR" sz="1300" b="1" dirty="0"/>
-                        <a:t>100%</a:t>
+                        <a:t>90%</a:t>
                       </a:r>
                       <a:endParaRPr lang="ko-KR" altLang="en-US" sz="1300" b="1" dirty="0"/>
                     </a:p>
@@ -4443,6 +4711,14 @@
                         <a:rPr lang="ko-KR" altLang="en-US" sz="1300" dirty="0"/>
                         <a:t>투사체의 구현 완료</a:t>
                       </a:r>
+                      <a:r>
+                        <a:rPr lang="en-US" altLang="ko-KR" sz="1300" dirty="0"/>
+                        <a:t>, </a:t>
+                      </a:r>
+                      <a:r>
+                        <a:rPr lang="ko-KR" altLang="en-US" sz="1300" dirty="0"/>
+                        <a:t>버그 존재</a:t>
+                      </a:r>
                     </a:p>
                   </a:txBody>
                   <a:tcPr marL="64576" marR="64576" marT="32288" marB="32288"/>
@@ -5365,7 +5641,7 @@
                       </a:r>
                       <a:r>
                         <a:rPr lang="en-US" altLang="ko-KR" sz="1300" b="1" dirty="0"/>
-                        <a:t>: 52.2</a:t>
+                        <a:t>: 51.1</a:t>
                       </a:r>
                       <a:endParaRPr lang="ko-KR" altLang="en-US" sz="1300" b="1" dirty="0"/>
                     </a:p>
@@ -5382,6 +5658,45 @@
           </a:graphicData>
         </a:graphic>
       </p:graphicFrame>
+      <p:pic>
+        <p:nvPicPr>
+          <p:cNvPr id="10" name="오디오 9">
+            <a:hlinkClick r:id="" action="ppaction://media"/>
+            <a:extLst>
+              <a:ext uri="{FF2B5EF4-FFF2-40B4-BE49-F238E27FC236}">
+                <a16:creationId xmlns:a16="http://schemas.microsoft.com/office/drawing/2014/main" id="{C026DDC4-A220-0AD9-88B3-54811FBAF772}"/>
+              </a:ext>
+            </a:extLst>
+          </p:cNvPr>
+          <p:cNvPicPr>
+            <a:picLocks noChangeAspect="1"/>
+          </p:cNvPicPr>
+          <p:nvPr>
+            <a:audioFile r:link="rId2"/>
+            <p:extLst>
+              <p:ext uri="{DAA4B4D4-6D71-4841-9C94-3DE7FCFB9230}">
+                <p14:media xmlns:p14="http://schemas.microsoft.com/office/powerpoint/2010/main" r:embed="rId1"/>
+              </p:ext>
+            </p:extLst>
+          </p:nvPr>
+        </p:nvPicPr>
+        <p:blipFill>
+          <a:blip r:embed="rId4"/>
+          <a:srcRect l="-287500" t="-287500" r="-287500" b="-287500"/>
+          <a:stretch>
+            <a:fillRect/>
+          </a:stretch>
+        </p:blipFill>
+        <p:spPr>
+          <a:xfrm>
+            <a:off x="10052304" y="4718304"/>
+            <a:ext cx="2057400" cy="2057400"/>
+          </a:xfrm>
+          <a:prstGeom prst="ellipse">
+            <a:avLst/>
+          </a:prstGeom>
+        </p:spPr>
+      </p:pic>
     </p:spTree>
     <p:extLst>
       <p:ext uri="{BB962C8B-B14F-4D97-AF65-F5344CB8AC3E}">
@@ -5392,6 +5707,101 @@
   <p:clrMapOvr>
     <a:masterClrMapping/>
   </p:clrMapOvr>
+  <mc:AlternateContent xmlns:mc="http://schemas.openxmlformats.org/markup-compatibility/2006">
+    <mc:Choice xmlns:p14="http://schemas.microsoft.com/office/powerpoint/2010/main" Requires="p14">
+      <p:transition spd="slow" p14:dur="2000" advTm="39290"/>
+    </mc:Choice>
+    <mc:Fallback>
+      <p:transition spd="slow" advTm="39290"/>
+    </mc:Fallback>
+  </mc:AlternateContent>
+  <p:timing>
+    <p:tnLst>
+      <p:par>
+        <p:cTn id="1" dur="indefinite" restart="never" nodeType="tmRoot">
+          <p:childTnLst>
+            <p:seq concurrent="1" nextAc="seek">
+              <p:cTn id="2" dur="indefinite" nodeType="mainSeq">
+                <p:childTnLst>
+                  <p:par>
+                    <p:cTn id="3" fill="hold">
+                      <p:stCondLst>
+                        <p:cond delay="indefinite"/>
+                        <p:cond evt="onBegin" delay="0">
+                          <p:tn val="2"/>
+                        </p:cond>
+                      </p:stCondLst>
+                      <p:childTnLst>
+                        <p:par>
+                          <p:cTn id="4" fill="hold">
+                            <p:stCondLst>
+                              <p:cond delay="0"/>
+                            </p:stCondLst>
+                            <p:childTnLst>
+                              <p:par>
+                                <p:cTn id="5" presetID="1" presetClass="mediacall" presetSubtype="0" fill="hold" nodeType="afterEffect">
+                                  <p:stCondLst>
+                                    <p:cond delay="0"/>
+                                  </p:stCondLst>
+                                  <p:childTnLst>
+                                    <p:cmd type="call" cmd="playFrom(0.0)">
+                                      <p:cBhvr>
+                                        <p:cTn id="6" dur="1" fill="hold"/>
+                                        <p:tgtEl>
+                                          <p:spTgt spid="10"/>
+                                        </p:tgtEl>
+                                      </p:cBhvr>
+                                    </p:cmd>
+                                  </p:childTnLst>
+                                </p:cTn>
+                              </p:par>
+                            </p:childTnLst>
+                          </p:cTn>
+                        </p:par>
+                      </p:childTnLst>
+                    </p:cTn>
+                  </p:par>
+                </p:childTnLst>
+              </p:cTn>
+              <p:prevCondLst>
+                <p:cond evt="onPrev" delay="0">
+                  <p:tgtEl>
+                    <p:sldTgt/>
+                  </p:tgtEl>
+                </p:cond>
+              </p:prevCondLst>
+              <p:nextCondLst>
+                <p:cond evt="onNext" delay="0">
+                  <p:tgtEl>
+                    <p:sldTgt/>
+                  </p:tgtEl>
+                </p:cond>
+              </p:nextCondLst>
+            </p:seq>
+            <p:audio isNarration="1">
+              <p:cMediaNode vol="80000" showWhenStopped="0">
+                <p:cTn id="7" fill="hold" display="0">
+                  <p:stCondLst>
+                    <p:cond delay="indefinite"/>
+                  </p:stCondLst>
+                  <p:endCondLst>
+                    <p:cond evt="onStopAudio" delay="0">
+                      <p:tgtEl>
+                        <p:sldTgt/>
+                      </p:tgtEl>
+                    </p:cond>
+                  </p:endCondLst>
+                </p:cTn>
+                <p:tgtEl>
+                  <p:spTgt spid="10"/>
+                </p:tgtEl>
+              </p:cMediaNode>
+            </p:audio>
+          </p:childTnLst>
+        </p:cTn>
+      </p:par>
+    </p:tnLst>
+  </p:timing>
 </p:sld>
 </file>
 
@@ -5465,7 +5875,7 @@
           </p:nvPr>
         </p:nvPicPr>
         <p:blipFill>
-          <a:blip r:embed="rId2">
+          <a:blip r:embed="rId4">
             <a:extLst>
               <a:ext uri="{28A0092B-C50C-407E-A947-70E740481C1C}">
                 <a14:useLocalDpi xmlns:a14="http://schemas.microsoft.com/office/drawing/2010/main" val="0"/>
@@ -5483,6 +5893,45 @@
           </a:xfrm>
         </p:spPr>
       </p:pic>
+      <p:pic>
+        <p:nvPicPr>
+          <p:cNvPr id="14" name="오디오 13">
+            <a:hlinkClick r:id="" action="ppaction://media"/>
+            <a:extLst>
+              <a:ext uri="{FF2B5EF4-FFF2-40B4-BE49-F238E27FC236}">
+                <a16:creationId xmlns:a16="http://schemas.microsoft.com/office/drawing/2014/main" id="{E2548B30-49E5-21E5-5CF4-376A1943E6B6}"/>
+              </a:ext>
+            </a:extLst>
+          </p:cNvPr>
+          <p:cNvPicPr>
+            <a:picLocks noChangeAspect="1"/>
+          </p:cNvPicPr>
+          <p:nvPr>
+            <a:audioFile r:link="rId2"/>
+            <p:extLst>
+              <p:ext uri="{DAA4B4D4-6D71-4841-9C94-3DE7FCFB9230}">
+                <p14:media xmlns:p14="http://schemas.microsoft.com/office/powerpoint/2010/main" r:embed="rId1"/>
+              </p:ext>
+            </p:extLst>
+          </p:nvPr>
+        </p:nvPicPr>
+        <p:blipFill>
+          <a:blip r:embed="rId5"/>
+          <a:srcRect l="-287500" t="-287500" r="-287500" b="-287500"/>
+          <a:stretch>
+            <a:fillRect/>
+          </a:stretch>
+        </p:blipFill>
+        <p:spPr>
+          <a:xfrm>
+            <a:off x="10052304" y="4718304"/>
+            <a:ext cx="2057400" cy="2057400"/>
+          </a:xfrm>
+          <a:prstGeom prst="ellipse">
+            <a:avLst/>
+          </a:prstGeom>
+        </p:spPr>
+      </p:pic>
     </p:spTree>
     <p:extLst>
       <p:ext uri="{BB962C8B-B14F-4D97-AF65-F5344CB8AC3E}">
@@ -5493,6 +5942,101 @@
   <p:clrMapOvr>
     <a:masterClrMapping/>
   </p:clrMapOvr>
+  <mc:AlternateContent xmlns:mc="http://schemas.openxmlformats.org/markup-compatibility/2006">
+    <mc:Choice xmlns:p14="http://schemas.microsoft.com/office/powerpoint/2010/main" Requires="p14">
+      <p:transition spd="slow" p14:dur="2000" advTm="4427"/>
+    </mc:Choice>
+    <mc:Fallback>
+      <p:transition spd="slow" advTm="4427"/>
+    </mc:Fallback>
+  </mc:AlternateContent>
+  <p:timing>
+    <p:tnLst>
+      <p:par>
+        <p:cTn id="1" dur="indefinite" restart="never" nodeType="tmRoot">
+          <p:childTnLst>
+            <p:seq concurrent="1" nextAc="seek">
+              <p:cTn id="2" dur="indefinite" nodeType="mainSeq">
+                <p:childTnLst>
+                  <p:par>
+                    <p:cTn id="3" fill="hold">
+                      <p:stCondLst>
+                        <p:cond delay="indefinite"/>
+                        <p:cond evt="onBegin" delay="0">
+                          <p:tn val="2"/>
+                        </p:cond>
+                      </p:stCondLst>
+                      <p:childTnLst>
+                        <p:par>
+                          <p:cTn id="4" fill="hold">
+                            <p:stCondLst>
+                              <p:cond delay="0"/>
+                            </p:stCondLst>
+                            <p:childTnLst>
+                              <p:par>
+                                <p:cTn id="5" presetID="1" presetClass="mediacall" presetSubtype="0" fill="hold" nodeType="afterEffect">
+                                  <p:stCondLst>
+                                    <p:cond delay="0"/>
+                                  </p:stCondLst>
+                                  <p:childTnLst>
+                                    <p:cmd type="call" cmd="playFrom(0.0)">
+                                      <p:cBhvr>
+                                        <p:cTn id="6" dur="1" fill="hold"/>
+                                        <p:tgtEl>
+                                          <p:spTgt spid="14"/>
+                                        </p:tgtEl>
+                                      </p:cBhvr>
+                                    </p:cmd>
+                                  </p:childTnLst>
+                                </p:cTn>
+                              </p:par>
+                            </p:childTnLst>
+                          </p:cTn>
+                        </p:par>
+                      </p:childTnLst>
+                    </p:cTn>
+                  </p:par>
+                </p:childTnLst>
+              </p:cTn>
+              <p:prevCondLst>
+                <p:cond evt="onPrev" delay="0">
+                  <p:tgtEl>
+                    <p:sldTgt/>
+                  </p:tgtEl>
+                </p:cond>
+              </p:prevCondLst>
+              <p:nextCondLst>
+                <p:cond evt="onNext" delay="0">
+                  <p:tgtEl>
+                    <p:sldTgt/>
+                  </p:tgtEl>
+                </p:cond>
+              </p:nextCondLst>
+            </p:seq>
+            <p:audio isNarration="1">
+              <p:cMediaNode vol="80000" showWhenStopped="0">
+                <p:cTn id="7" fill="hold" display="0">
+                  <p:stCondLst>
+                    <p:cond delay="indefinite"/>
+                  </p:stCondLst>
+                  <p:endCondLst>
+                    <p:cond evt="onStopAudio" delay="0">
+                      <p:tgtEl>
+                        <p:sldTgt/>
+                      </p:tgtEl>
+                    </p:cond>
+                  </p:endCondLst>
+                </p:cTn>
+                <p:tgtEl>
+                  <p:spTgt spid="14"/>
+                </p:tgtEl>
+              </p:cMediaNode>
+            </p:audio>
+          </p:childTnLst>
+        </p:cTn>
+      </p:par>
+    </p:tnLst>
+  </p:timing>
 </p:sld>
 </file>
 

--- a/slides/2D 게임프로그래밍 2차 발표자료.pptx
+++ b/slides/2D 게임프로그래밍 2차 발표자료.pptx
@@ -3396,11 +3396,11 @@
       </p:sp>
       <p:pic>
         <p:nvPicPr>
-          <p:cNvPr id="6" name="오디오 5">
+          <p:cNvPr id="25" name="오디오 24">
             <a:hlinkClick r:id="" action="ppaction://media"/>
             <a:extLst>
               <a:ext uri="{FF2B5EF4-FFF2-40B4-BE49-F238E27FC236}">
-                <a16:creationId xmlns:a16="http://schemas.microsoft.com/office/drawing/2014/main" id="{7766DB40-EB01-0F11-9479-E87CB3199E21}"/>
+                <a16:creationId xmlns:a16="http://schemas.microsoft.com/office/drawing/2014/main" id="{6B72005A-B52E-DAEC-2535-ED1071BDAA4C}"/>
               </a:ext>
             </a:extLst>
           </p:cNvPr>
@@ -3445,10 +3445,10 @@
   </p:clrMapOvr>
   <mc:AlternateContent xmlns:mc="http://schemas.openxmlformats.org/markup-compatibility/2006">
     <mc:Choice xmlns:p14="http://schemas.microsoft.com/office/powerpoint/2010/main" Requires="p14">
-      <p:transition spd="slow" p14:dur="2000" advTm="4608"/>
+      <p:transition spd="slow" p14:dur="2000" advTm="4410"/>
     </mc:Choice>
     <mc:Fallback>
-      <p:transition spd="slow" advTm="4608"/>
+      <p:transition spd="slow" advTm="4410"/>
     </mc:Fallback>
   </mc:AlternateContent>
   <p:timing>
@@ -3484,7 +3484,7 @@
                                       <p:cBhvr>
                                         <p:cTn id="6" dur="1" fill="hold"/>
                                         <p:tgtEl>
-                                          <p:spTgt spid="6"/>
+                                          <p:spTgt spid="25"/>
                                         </p:tgtEl>
                                       </p:cBhvr>
                                     </p:cmd>
@@ -3529,7 +3529,7 @@
                   </p:endCondLst>
                 </p:cTn>
                 <p:tgtEl>
-                  <p:spTgt spid="6"/>
+                  <p:spTgt spid="25"/>
                 </p:tgtEl>
               </p:cMediaNode>
             </p:audio>
@@ -3843,11 +3843,11 @@
       </p:graphicFrame>
       <p:pic>
         <p:nvPicPr>
-          <p:cNvPr id="11" name="오디오 10">
+          <p:cNvPr id="43" name="오디오 42">
             <a:hlinkClick r:id="" action="ppaction://media"/>
             <a:extLst>
               <a:ext uri="{FF2B5EF4-FFF2-40B4-BE49-F238E27FC236}">
-                <a16:creationId xmlns:a16="http://schemas.microsoft.com/office/drawing/2014/main" id="{700FAB0A-4432-9739-FE11-ABC0A7DE0DD2}"/>
+                <a16:creationId xmlns:a16="http://schemas.microsoft.com/office/drawing/2014/main" id="{1988B857-BBDC-D1D2-87AD-7029EA4D36E8}"/>
               </a:ext>
             </a:extLst>
           </p:cNvPr>
@@ -3892,10 +3892,10 @@
   </p:clrMapOvr>
   <mc:AlternateContent xmlns:mc="http://schemas.openxmlformats.org/markup-compatibility/2006">
     <mc:Choice xmlns:p14="http://schemas.microsoft.com/office/powerpoint/2010/main" Requires="p14">
-      <p:transition spd="slow" p14:dur="2000" advTm="23919"/>
+      <p:transition spd="slow" p14:dur="2000" advTm="13461"/>
     </mc:Choice>
     <mc:Fallback>
-      <p:transition spd="slow" advTm="23919"/>
+      <p:transition spd="slow" advTm="13461"/>
     </mc:Fallback>
   </mc:AlternateContent>
   <p:timing>
@@ -3931,7 +3931,7 @@
                                       <p:cBhvr>
                                         <p:cTn id="6" dur="1" fill="hold"/>
                                         <p:tgtEl>
-                                          <p:spTgt spid="11"/>
+                                          <p:spTgt spid="43"/>
                                         </p:tgtEl>
                                       </p:cBhvr>
                                     </p:cmd>
@@ -3976,7 +3976,7 @@
                   </p:endCondLst>
                 </p:cTn>
                 <p:tgtEl>
-                  <p:spTgt spid="11"/>
+                  <p:spTgt spid="43"/>
                 </p:tgtEl>
               </p:cMediaNode>
             </p:audio>
@@ -5660,11 +5660,11 @@
       </p:graphicFrame>
       <p:pic>
         <p:nvPicPr>
-          <p:cNvPr id="10" name="오디오 9">
+          <p:cNvPr id="25" name="오디오 24">
             <a:hlinkClick r:id="" action="ppaction://media"/>
             <a:extLst>
               <a:ext uri="{FF2B5EF4-FFF2-40B4-BE49-F238E27FC236}">
-                <a16:creationId xmlns:a16="http://schemas.microsoft.com/office/drawing/2014/main" id="{C026DDC4-A220-0AD9-88B3-54811FBAF772}"/>
+                <a16:creationId xmlns:a16="http://schemas.microsoft.com/office/drawing/2014/main" id="{B61DE6FC-19EA-EE47-636D-D3A12212FFAF}"/>
               </a:ext>
             </a:extLst>
           </p:cNvPr>
@@ -5709,10 +5709,10 @@
   </p:clrMapOvr>
   <mc:AlternateContent xmlns:mc="http://schemas.openxmlformats.org/markup-compatibility/2006">
     <mc:Choice xmlns:p14="http://schemas.microsoft.com/office/powerpoint/2010/main" Requires="p14">
-      <p:transition spd="slow" p14:dur="2000" advTm="39290"/>
+      <p:transition spd="slow" p14:dur="2000" advTm="30452"/>
     </mc:Choice>
     <mc:Fallback>
-      <p:transition spd="slow" advTm="39290"/>
+      <p:transition spd="slow" advTm="30452"/>
     </mc:Fallback>
   </mc:AlternateContent>
   <p:timing>
@@ -5748,7 +5748,7 @@
                                       <p:cBhvr>
                                         <p:cTn id="6" dur="1" fill="hold"/>
                                         <p:tgtEl>
-                                          <p:spTgt spid="10"/>
+                                          <p:spTgt spid="25"/>
                                         </p:tgtEl>
                                       </p:cBhvr>
                                     </p:cmd>
@@ -5793,7 +5793,7 @@
                   </p:endCondLst>
                 </p:cTn>
                 <p:tgtEl>
-                  <p:spTgt spid="10"/>
+                  <p:spTgt spid="25"/>
                 </p:tgtEl>
               </p:cMediaNode>
             </p:audio>
@@ -5942,11 +5942,11 @@
   <p:clrMapOvr>
     <a:masterClrMapping/>
   </p:clrMapOvr>
-  <mc:AlternateContent xmlns:mc="http://schemas.openxmlformats.org/markup-compatibility/2006">
-    <mc:Choice xmlns:p14="http://schemas.microsoft.com/office/powerpoint/2010/main" Requires="p14">
+  <mc:AlternateContent xmlns:mc="http://schemas.openxmlformats.org/markup-compatibility/2006" xmlns:p14="http://schemas.microsoft.com/office/powerpoint/2010/main">
+    <mc:Choice Requires="p14">
       <p:transition spd="slow" p14:dur="2000" advTm="4427"/>
     </mc:Choice>
-    <mc:Fallback>
+    <mc:Fallback xmlns="">
       <p:transition spd="slow" advTm="4427"/>
     </mc:Fallback>
   </mc:AlternateContent>
